--- a/06_architectures_patterns_documentation/documentation_principles_for_sw_projects.pptx
+++ b/06_architectures_patterns_documentation/documentation_principles_for_sw_projects.pptx
@@ -6906,13 +6906,13 @@
         </p:nvSpPr>
         <p:spPr>
           <a:xfrm>
-            <a:off x="550864" y="1295073"/>
-            <a:ext cx="11125198" cy="4931887"/>
+            <a:off x="550864" y="1295074"/>
+            <a:ext cx="11125198" cy="4732016"/>
           </a:xfrm>
         </p:spPr>
         <p:txBody>
           <a:bodyPr>
-            <a:normAutofit/>
+            <a:normAutofit fontScale="92500"/>
           </a:bodyPr>
           <a:lstStyle/>
           <a:p>
@@ -6949,38 +6949,38 @@
             <a:pPr lvl="1"/>
             <a:r>
               <a:rPr lang="en-US" dirty="0"/>
-              <a:t>Nothing bad in that, and while learning even necessary. But leads often to unmaintained and bloated documentation</a:t>
+              <a:t>Nothing bad in that. And while learning even necessary. But leads often to unmaintained and bloated documentation</a:t>
             </a:r>
           </a:p>
           <a:p>
             <a:r>
               <a:rPr lang="en-US" dirty="0"/>
-              <a:t>In real project add only the documentation and visualization that is necessary</a:t>
+              <a:t>In real project add only the documentation and visualization that is necessary and useful</a:t>
             </a:r>
           </a:p>
           <a:p>
             <a:r>
               <a:rPr lang="en-US" dirty="0"/>
-              <a:t>Just link if the information is available elsewhere</a:t>
+              <a:t>Just link if the information is available elsewhere. (Sometimes annotate the link with your pointers / scoping)</a:t>
             </a:r>
           </a:p>
           <a:p>
             <a:r>
               <a:rPr lang="en-US" dirty="0"/>
-              <a:t>Provide Table of Contents where each developer can find just the interesting parts</a:t>
+              <a:t>Provide Table of Contents links where each developer can find just the interesting parts</a:t>
             </a:r>
           </a:p>
           <a:p>
             <a:pPr lvl="1"/>
             <a:r>
               <a:rPr lang="en-US" dirty="0"/>
-              <a:t>Divide the content to shorter modules for easier learning but also for selection based on need and interest</a:t>
+              <a:t>Divide the content to shorter modules / pages for easier learning but also for selection based on need and interest</a:t>
             </a:r>
           </a:p>
           <a:p>
             <a:r>
               <a:rPr lang="en-US" dirty="0"/>
-              <a:t>Optimize understanding and project reading speed, ’never’ project writing speed</a:t>
+              <a:t>Optimize understanding and project reading speed, ’never’ the project writing speed</a:t>
             </a:r>
           </a:p>
           <a:p>
@@ -7170,8 +7170,8 @@
         </p:nvSpPr>
         <p:spPr>
           <a:xfrm>
-            <a:off x="550864" y="1295073"/>
-            <a:ext cx="11125198" cy="4618365"/>
+            <a:off x="550864" y="1423283"/>
+            <a:ext cx="11125198" cy="4490155"/>
           </a:xfrm>
         </p:spPr>
         <p:txBody>
@@ -7390,8 +7390,8 @@
         </p:nvSpPr>
         <p:spPr>
           <a:xfrm>
-            <a:off x="550864" y="1295073"/>
-            <a:ext cx="11125198" cy="4618365"/>
+            <a:off x="550864" y="1367624"/>
+            <a:ext cx="11125198" cy="4545814"/>
           </a:xfrm>
         </p:spPr>
         <p:txBody>
@@ -7406,32 +7406,40 @@
             </a:r>
             <a:r>
               <a:rPr lang="en-US" dirty="0"/>
-              <a:t> is important in all projects. We never know who might continue with the project</a:t>
+              <a:t> is important part of all projects. We never know who might continue with the project</a:t>
             </a:r>
           </a:p>
           <a:p>
             <a:r>
               <a:rPr lang="en-US" dirty="0"/>
-              <a:t>README.md is our project information de-facto standard.</a:t>
+              <a:t>README.md is our project information de-facto standard starting point.</a:t>
             </a:r>
           </a:p>
           <a:p>
             <a:pPr lvl="1"/>
             <a:r>
               <a:rPr lang="en-US" dirty="0"/>
-              <a:t>Some Markdown markup examples given on the course. Check them out. Test whether works on GitHub pages.</a:t>
+              <a:t>Some Markdown markup examples given by teachers. Check them out. Test whether it works on GitHub pages.</a:t>
             </a:r>
           </a:p>
           <a:p>
             <a:r>
               <a:rPr lang="en-US" dirty="0"/>
-              <a:t>Make your project installation and configuration clear to the reader. An average IT professional has to be able to setup everything without further assistance!</a:t>
-            </a:r>
-          </a:p>
-          <a:p>
+              <a:t>Make your project installation and configuration clear to the reader. An average IT/SW professional has to be able to setup everything </a:t>
+            </a:r>
+            <a:r>
+              <a:rPr lang="en-US" u="sng" dirty="0"/>
+              <a:t>without</a:t>
+            </a:r>
             <a:r>
               <a:rPr lang="en-US" dirty="0"/>
-              <a:t>Don’t write redundant information. Thus, no instructions on how to e.g. install Docker. Just list it as pre-requisites and possibly give link to elsewhere. </a:t>
+              <a:t> further assistance!</a:t>
+            </a:r>
+          </a:p>
+          <a:p>
+            <a:r>
+              <a:rPr lang="en-US" dirty="0"/>
+              <a:t>Don’t write redundant information. Thus, no instructions on how to e.g. install Docker. Just list it as pre-requisite and possibly give link to the documentation elsewhere. </a:t>
             </a:r>
           </a:p>
           <a:p>
@@ -7452,13 +7460,13 @@
             </a:r>
             <a:r>
               <a:rPr lang="en-US" dirty="0"/>
-              <a:t> file location and model structure with fake values</a:t>
+              <a:t> file location, and model structure with fake values that show the format, but not correct values</a:t>
             </a:r>
           </a:p>
           <a:p>
             <a:r>
               <a:rPr lang="en-US" dirty="0"/>
-              <a:t>Be modular in your explanations, link to the other .md files in the project.</a:t>
+              <a:t>Be modular in your presentation, link to the other .md files in the project.</a:t>
             </a:r>
           </a:p>
           <a:p>
@@ -7671,8 +7679,11 @@
           <a:p>
             <a:r>
               <a:rPr lang="en-US" dirty="0"/>
-              <a:t>Possible just on this level: </a:t>
-            </a:r>
+              <a:t>Sometimes just to this level: </a:t>
+            </a:r>
+          </a:p>
+          <a:p>
+            <a:pPr lvl="1"/>
             <a:r>
               <a:rPr lang="en-US" b="1" dirty="0"/>
               <a:t>Frontend</a:t>
@@ -7687,15 +7698,7 @@
             </a:r>
             <a:r>
               <a:rPr lang="en-US" dirty="0"/>
-              <a:t>, AJAX with </a:t>
-            </a:r>
-            <a:r>
-              <a:rPr lang="en-US" dirty="0" err="1"/>
-              <a:t>Axios</a:t>
-            </a:r>
-            <a:r>
-              <a:rPr lang="en-US" dirty="0"/>
-              <a:t>, react-router-</a:t>
+              <a:t>, AJAX with Axios, react-router-</a:t>
             </a:r>
             <a:r>
               <a:rPr lang="en-US" dirty="0" err="1"/>
@@ -7718,7 +7721,7 @@
             </a:r>
             <a:r>
               <a:rPr lang="en-US" dirty="0"/>
-              <a:t> of a Node project?</a:t>
+              <a:t> of a Node project? (=dynamic content for the reader)</a:t>
             </a:r>
           </a:p>
           <a:p>
@@ -7920,19 +7923,19 @@
           <a:p>
             <a:r>
               <a:rPr lang="en-US" dirty="0"/>
-              <a:t>In school you have learned good long processes for database design. From conceptual level ER diagrams, to logical level design, normalization, database diagrams, etc.</a:t>
+              <a:t>In school you have learned good and long processes for database design. From conceptual level ER diagrams, to logical level design, normalization, database diagrams, etc.</a:t>
             </a:r>
           </a:p>
           <a:p>
             <a:r>
               <a:rPr lang="en-US" dirty="0"/>
-              <a:t>Those are to some extent for learning the database design</a:t>
+              <a:t>Those are, to some extent, for learning the database design process</a:t>
             </a:r>
           </a:p>
           <a:p>
             <a:r>
               <a:rPr lang="en-US" dirty="0"/>
-              <a:t>Some developers just do the database design and implementation at once (database diagram or just SQL DDL scripts). This of course requires some expertise and experience.</a:t>
+              <a:t>Some developers just do the database design and implementation at once (database diagram or just SQL DDL scripts). This of course requires expertise and experience.</a:t>
             </a:r>
           </a:p>
           <a:p>
@@ -7961,7 +7964,7 @@
             </a:r>
             <a:r>
               <a:rPr lang="en-US" dirty="0"/>
-              <a:t> calls them ER diagrams, but they are actually </a:t>
+              <a:t> called them ‘ER diagrams’, but they are actually </a:t>
             </a:r>
             <a:r>
               <a:rPr lang="en-US" b="1" dirty="0"/>
@@ -8025,14 +8028,14 @@
             </a:r>
             <a:r>
               <a:rPr lang="en-US" dirty="0"/>
-              <a:t>: ft? m? km? max? min? accuracy?</a:t>
+              <a:t>: ft? m? km? max? min? accuracy? ~exchange formats</a:t>
             </a:r>
           </a:p>
           <a:p>
             <a:pPr lvl="1"/>
             <a:r>
               <a:rPr lang="en-US" dirty="0"/>
-              <a:t>c) general understanding of some complicated business case concept.</a:t>
+              <a:t>c) general understanding of some complicated business case concept, if such included</a:t>
             </a:r>
           </a:p>
           <a:p>
@@ -8052,7 +8055,7 @@
           <a:p>
             <a:r>
               <a:rPr lang="en-US" dirty="0"/>
-              <a:t>Then we could avoid having separate database documents at all? All generated from scripts?</a:t>
+              <a:t>Then we could avoid having separate database documents at all? All agile generated from scripts?</a:t>
             </a:r>
           </a:p>
         </p:txBody>
@@ -8275,7 +8278,7 @@
             <a:pPr lvl="1"/>
             <a:r>
               <a:rPr lang="en-US" dirty="0"/>
-              <a:t>Simple tricks help: e.g. ProductList.js and </a:t>
+              <a:t>Simple tricks may help: e.g. ProductList.js and </a:t>
             </a:r>
             <a:r>
               <a:rPr lang="en-US" dirty="0" err="1"/>
@@ -8295,7 +8298,7 @@
           <a:p>
             <a:r>
               <a:rPr lang="en-US" dirty="0"/>
-              <a:t>Less is more. Quality over quantity. Think from reader’s point of view and starting point, not yours.</a:t>
+              <a:t>Less is more. Quality over quantity. Think from reader’s point of view and her/his starting point, not yours.</a:t>
             </a:r>
           </a:p>
           <a:p>
@@ -8329,7 +8332,7 @@
             </a:r>
             <a:r>
               <a:rPr lang="en-US" dirty="0"/>
-              <a:t> might help the readability of the code and e.g. allow using explanatory variable names and comments next to lines</a:t>
+              <a:t> might help the readability of the code and e.g. allow using explanatory variable names and comments next to each code line</a:t>
             </a:r>
           </a:p>
         </p:txBody>
@@ -8586,21 +8589,13 @@
             <a:pPr lvl="1"/>
             <a:r>
               <a:rPr lang="en-US" sz="1800" dirty="0"/>
-              <a:t>Dart has same idea called “documentation comments”, </a:t>
-            </a:r>
-            <a:r>
-              <a:rPr lang="en-US" sz="1800"/>
-              <a:t>also with </a:t>
-            </a:r>
-            <a:r>
-              <a:rPr lang="en-US" sz="1800" dirty="0"/>
-              <a:t>/// </a:t>
+              <a:t>Dart has same idea called “documentation comments”, also with /// </a:t>
             </a:r>
           </a:p>
           <a:p>
             <a:r>
               <a:rPr lang="en-US" sz="2000" dirty="0"/>
-              <a:t>Thus, maybe use some library or language doc feature instead of a non-updating Word document.</a:t>
+              <a:t>Thus, you can use some library or language doc feature / tool instead of a non-updating Word document.</a:t>
             </a:r>
           </a:p>
           <a:p>
@@ -8627,7 +8622,11 @@
             </a:pPr>
             <a:r>
               <a:rPr lang="en-US" sz="2000" dirty="0"/>
-              <a:t>Didn’t we agree through this presentation mostly that we can almost totally remove non-generated, non-code/script-linked documentation? </a:t>
+              <a:t>Didn’t we agree through this presentation mostly that it would be possible to almost totally remove non-generated, non-code/script-linked documentation? And move to more scripted, more DevOps kind of way </a:t>
+            </a:r>
+            <a:r>
+              <a:rPr lang="en-US" sz="2000"/>
+              <a:t>to document </a:t>
             </a:r>
             <a:r>
               <a:rPr lang="en-US" sz="2000" dirty="0">
@@ -9292,21 +9291,21 @@
 </file>
 
 <file path=customXml/item1.xml><?xml version="1.0" encoding="utf-8"?>
+<?mso-contentType ?>
+<FormTemplates xmlns="http://schemas.microsoft.com/sharepoint/v3/contenttype/forms">
+  <Display>DocumentLibraryForm</Display>
+  <Edit>DocumentLibraryForm</Edit>
+  <New>DocumentLibraryForm</New>
+</FormTemplates>
+</file>
+
+<file path=customXml/item2.xml><?xml version="1.0" encoding="utf-8"?>
 <p:properties xmlns:p="http://schemas.microsoft.com/office/2006/metadata/properties" xmlns:xsi="http://www.w3.org/2001/XMLSchema-instance" xmlns:pc="http://schemas.microsoft.com/office/infopath/2007/PartnerControls">
   <documentManagement>
     <PublishingExpirationDate xmlns="http://schemas.microsoft.com/sharepoint/v3" xsi:nil="true"/>
     <PublishingStartDate xmlns="http://schemas.microsoft.com/sharepoint/v3" xsi:nil="true"/>
   </documentManagement>
 </p:properties>
-</file>
-
-<file path=customXml/item2.xml><?xml version="1.0" encoding="utf-8"?>
-<?mso-contentType ?>
-<FormTemplates xmlns="http://schemas.microsoft.com/sharepoint/v3/contenttype/forms">
-  <Display>DocumentLibraryForm</Display>
-  <Edit>DocumentLibraryForm</Edit>
-  <New>DocumentLibraryForm</New>
-</FormTemplates>
 </file>
 
 <file path=customXml/item3.xml><?xml version="1.0" encoding="utf-8"?>
@@ -9442,6 +9441,14 @@
 </file>
 
 <file path=customXml/itemProps1.xml><?xml version="1.0" encoding="utf-8"?>
+<ds:datastoreItem xmlns:ds="http://schemas.openxmlformats.org/officeDocument/2006/customXml" ds:itemID="{D546C03B-CD3A-4EA0-AAA4-0E00E896454E}">
+  <ds:schemaRefs>
+    <ds:schemaRef ds:uri="http://schemas.microsoft.com/sharepoint/v3/contenttype/forms"/>
+  </ds:schemaRefs>
+</ds:datastoreItem>
+</file>
+
+<file path=customXml/itemProps2.xml><?xml version="1.0" encoding="utf-8"?>
 <ds:datastoreItem xmlns:ds="http://schemas.openxmlformats.org/officeDocument/2006/customXml" ds:itemID="{DED4E12E-7268-4B03-A47B-0755D62B5E31}">
   <ds:schemaRefs>
     <ds:schemaRef ds:uri="http://purl.org/dc/dcmitype/"/>
@@ -9453,14 +9460,6 @@
     <ds:schemaRef ds:uri="http://schemas.openxmlformats.org/package/2006/metadata/core-properties"/>
     <ds:schemaRef ds:uri="http://www.w3.org/XML/1998/namespace"/>
     <ds:schemaRef ds:uri="http://purl.org/dc/elements/1.1/"/>
-  </ds:schemaRefs>
-</ds:datastoreItem>
-</file>
-
-<file path=customXml/itemProps2.xml><?xml version="1.0" encoding="utf-8"?>
-<ds:datastoreItem xmlns:ds="http://schemas.openxmlformats.org/officeDocument/2006/customXml" ds:itemID="{D546C03B-CD3A-4EA0-AAA4-0E00E896454E}">
-  <ds:schemaRefs>
-    <ds:schemaRef ds:uri="http://schemas.microsoft.com/sharepoint/v3/contenttype/forms"/>
   </ds:schemaRefs>
 </ds:datastoreItem>
 </file>
